--- a/2022/03/13/English-presentation-about-Francis-Bacon/Francis Bacon.pptx
+++ b/2022/03/13/English-presentation-about-Francis-Bacon/Francis Bacon.pptx
@@ -46,10 +46,6 @@
       <p:regular r:id="rId26"/>
       <p:bold r:id="rId27"/>
       <p:italic r:id="rId28"/>
-    </p:embeddedFont>
-    <p:embeddedFont>
-      <p:font typeface="华文新魏" panose="02010800040101010101" pitchFamily="2" charset="-122"/>
-      <p:regular r:id="rId29"/>
     </p:embeddedFont>
   </p:embeddedFontLst>
   <p:defaultTextStyle>
@@ -6711,44 +6707,6 @@
           </a:p>
         </p:txBody>
       </p:sp>
-      <p:sp>
-        <p:nvSpPr>
-          <p:cNvPr id="3" name="文本框 2">
-            <a:extLst>
-              <a:ext uri="{FF2B5EF4-FFF2-40B4-BE49-F238E27FC236}">
-                <a16:creationId xmlns:a16="http://schemas.microsoft.com/office/drawing/2014/main" id="{977DB181-24F9-4791-8A9F-8780A79BA207}"/>
-              </a:ext>
-            </a:extLst>
-          </p:cNvPr>
-          <p:cNvSpPr txBox="1"/>
-          <p:nvPr/>
-        </p:nvSpPr>
-        <p:spPr>
-          <a:xfrm>
-            <a:off x="5280509" y="3948270"/>
-            <a:ext cx="2579697" cy="338554"/>
-          </a:xfrm>
-          <a:prstGeom prst="rect">
-            <a:avLst/>
-          </a:prstGeom>
-          <a:noFill/>
-        </p:spPr>
-        <p:txBody>
-          <a:bodyPr wrap="square" rtlCol="0">
-            <a:spAutoFit/>
-          </a:bodyPr>
-          <a:lstStyle/>
-          <a:p>
-            <a:r>
-              <a:rPr lang="zh-CN" altLang="en-US" sz="1600" dirty="0">
-                <a:latin typeface="华文新魏" panose="02010800040101010101" pitchFamily="2" charset="-122"/>
-                <a:ea typeface="华文新魏" panose="02010800040101010101" pitchFamily="2" charset="-122"/>
-              </a:rPr>
-              <a:t>罗康诚  信息科学技术学院</a:t>
-            </a:r>
-          </a:p>
-        </p:txBody>
-      </p:sp>
     </p:spTree>
   </p:cSld>
   <p:clrMapOvr>
